--- a/content/docs/record/kubernetes-data-platform-orangepi-cluster/images/images.pptx
+++ b/content/docs/record/kubernetes-data-platform-orangepi-cluster/images/images.pptx
@@ -4743,7 +4743,7 @@
         </p:nvSpPr>
         <p:spPr>
           <a:xfrm>
-            <a:off x="179513" y="339502"/>
+            <a:off x="35496" y="339502"/>
             <a:ext cx="4430066" cy="3168352"/>
           </a:xfrm>
           <a:prstGeom prst="roundRect">
@@ -4829,7 +4829,7 @@
         </p:nvSpPr>
         <p:spPr>
           <a:xfrm>
-            <a:off x="1144814" y="2741187"/>
+            <a:off x="1000797" y="2741187"/>
             <a:ext cx="806272" cy="638769"/>
           </a:xfrm>
           <a:prstGeom prst="roundRect">
@@ -4895,7 +4895,7 @@
         </p:blipFill>
         <p:spPr bwMode="auto">
           <a:xfrm>
-            <a:off x="1407567" y="2797373"/>
+            <a:off x="1263550" y="2797373"/>
             <a:ext cx="280767" cy="273089"/>
           </a:xfrm>
           <a:prstGeom prst="rect">
@@ -4942,7 +4942,7 @@
         </p:blipFill>
         <p:spPr bwMode="auto">
           <a:xfrm>
-            <a:off x="554946" y="2797373"/>
+            <a:off x="410929" y="2797373"/>
             <a:ext cx="282445" cy="273089"/>
           </a:xfrm>
           <a:prstGeom prst="rect">
@@ -4974,7 +4974,7 @@
         </p:nvSpPr>
         <p:spPr>
           <a:xfrm>
-            <a:off x="295727" y="2741187"/>
+            <a:off x="151710" y="2741187"/>
             <a:ext cx="806272" cy="638769"/>
           </a:xfrm>
           <a:prstGeom prst="roundRect">
@@ -5032,7 +5032,7 @@
         </p:nvSpPr>
         <p:spPr>
           <a:xfrm>
-            <a:off x="1992987" y="2741187"/>
+            <a:off x="1848970" y="2741187"/>
             <a:ext cx="806272" cy="638769"/>
           </a:xfrm>
           <a:prstGeom prst="roundRect">
@@ -5117,7 +5117,7 @@
         </p:blipFill>
         <p:spPr bwMode="auto">
           <a:xfrm>
-            <a:off x="2255740" y="2799163"/>
+            <a:off x="2111723" y="2799163"/>
             <a:ext cx="280767" cy="273089"/>
           </a:xfrm>
           <a:prstGeom prst="rect">
@@ -5149,7 +5149,7 @@
         </p:nvSpPr>
         <p:spPr>
           <a:xfrm>
-            <a:off x="2841456" y="2741187"/>
+            <a:off x="2697439" y="2741187"/>
             <a:ext cx="806272" cy="638769"/>
           </a:xfrm>
           <a:prstGeom prst="roundRect">
@@ -5222,7 +5222,7 @@
         </p:blipFill>
         <p:spPr bwMode="auto">
           <a:xfrm>
-            <a:off x="3101613" y="2799164"/>
+            <a:off x="2957596" y="2799164"/>
             <a:ext cx="280767" cy="273089"/>
           </a:xfrm>
           <a:prstGeom prst="rect">
@@ -5269,7 +5269,7 @@
         </p:blipFill>
         <p:spPr bwMode="auto">
           <a:xfrm>
-            <a:off x="3949121" y="2797373"/>
+            <a:off x="3805104" y="2797373"/>
             <a:ext cx="282470" cy="282470"/>
           </a:xfrm>
           <a:prstGeom prst="rect">
@@ -5301,7 +5301,7 @@
         </p:nvSpPr>
         <p:spPr>
           <a:xfrm>
-            <a:off x="3689925" y="2735421"/>
+            <a:off x="3545908" y="2735421"/>
             <a:ext cx="806272" cy="638769"/>
           </a:xfrm>
           <a:prstGeom prst="roundRect">
@@ -5359,7 +5359,7 @@
         </p:nvSpPr>
         <p:spPr>
           <a:xfrm>
-            <a:off x="292029" y="692363"/>
+            <a:off x="148012" y="692363"/>
             <a:ext cx="806272" cy="638769"/>
           </a:xfrm>
           <a:prstGeom prst="roundRect">
@@ -5432,7 +5432,7 @@
         </p:blipFill>
         <p:spPr bwMode="auto">
           <a:xfrm>
-            <a:off x="548989" y="748550"/>
+            <a:off x="404972" y="748550"/>
             <a:ext cx="286130" cy="286130"/>
           </a:xfrm>
           <a:prstGeom prst="rect">
@@ -5464,7 +5464,7 @@
         </p:nvSpPr>
         <p:spPr>
           <a:xfrm>
-            <a:off x="1141545" y="695015"/>
+            <a:off x="997528" y="695015"/>
             <a:ext cx="806272" cy="638769"/>
           </a:xfrm>
           <a:prstGeom prst="roundRect">
@@ -5545,7 +5545,7 @@
         </p:blipFill>
         <p:spPr bwMode="auto">
           <a:xfrm>
-            <a:off x="1404298" y="766422"/>
+            <a:off x="1260281" y="766422"/>
             <a:ext cx="280767" cy="280767"/>
           </a:xfrm>
           <a:prstGeom prst="rect">
@@ -5577,7 +5577,7 @@
         </p:nvSpPr>
         <p:spPr>
           <a:xfrm>
-            <a:off x="2841456" y="2054278"/>
+            <a:off x="2697439" y="2054278"/>
             <a:ext cx="806272" cy="639660"/>
           </a:xfrm>
           <a:prstGeom prst="roundRect">
@@ -5650,7 +5650,7 @@
         </p:blipFill>
         <p:spPr bwMode="auto">
           <a:xfrm>
-            <a:off x="3104209" y="2107305"/>
+            <a:off x="2960192" y="2107305"/>
             <a:ext cx="280768" cy="283922"/>
           </a:xfrm>
           <a:prstGeom prst="rect">
@@ -5697,7 +5697,7 @@
         </p:blipFill>
         <p:spPr bwMode="auto">
           <a:xfrm>
-            <a:off x="551226" y="2111355"/>
+            <a:off x="407209" y="2111355"/>
             <a:ext cx="282446" cy="282446"/>
           </a:xfrm>
           <a:prstGeom prst="rect">
@@ -5729,7 +5729,7 @@
         </p:nvSpPr>
         <p:spPr>
           <a:xfrm>
-            <a:off x="292029" y="2055168"/>
+            <a:off x="148012" y="2055168"/>
             <a:ext cx="806272" cy="638769"/>
           </a:xfrm>
           <a:prstGeom prst="roundRect">
@@ -5787,7 +5787,7 @@
         </p:nvSpPr>
         <p:spPr>
           <a:xfrm>
-            <a:off x="3689925" y="2055168"/>
+            <a:off x="3545908" y="2055168"/>
             <a:ext cx="806272" cy="638769"/>
           </a:xfrm>
           <a:prstGeom prst="roundRect">
@@ -5845,7 +5845,7 @@
         </p:nvSpPr>
         <p:spPr>
           <a:xfrm>
-            <a:off x="292029" y="1369149"/>
+            <a:off x="148012" y="1369149"/>
             <a:ext cx="806272" cy="638769"/>
           </a:xfrm>
           <a:prstGeom prst="roundRect">
@@ -5911,7 +5911,7 @@
         </p:blipFill>
         <p:spPr>
           <a:xfrm>
-            <a:off x="1410108" y="1420194"/>
+            <a:off x="1266091" y="1420194"/>
             <a:ext cx="282446" cy="282446"/>
           </a:xfrm>
           <a:prstGeom prst="rect">
@@ -5933,7 +5933,7 @@
         </p:nvSpPr>
         <p:spPr>
           <a:xfrm>
-            <a:off x="1991410" y="1374024"/>
+            <a:off x="1847393" y="1374024"/>
             <a:ext cx="806272" cy="638769"/>
           </a:xfrm>
           <a:prstGeom prst="roundRect">
@@ -5991,7 +5991,7 @@
         </p:nvSpPr>
         <p:spPr>
           <a:xfrm>
-            <a:off x="2845993" y="1374024"/>
+            <a:off x="2701976" y="1374024"/>
             <a:ext cx="806272" cy="638769"/>
           </a:xfrm>
           <a:prstGeom prst="roundRect">
@@ -6049,7 +6049,7 @@
         </p:nvSpPr>
         <p:spPr>
           <a:xfrm>
-            <a:off x="3694461" y="1377319"/>
+            <a:off x="3550444" y="1377319"/>
             <a:ext cx="806272" cy="638769"/>
           </a:xfrm>
           <a:prstGeom prst="roundRect">
@@ -6122,7 +6122,7 @@
         </p:blipFill>
         <p:spPr bwMode="auto">
           <a:xfrm>
-            <a:off x="2254163" y="1438668"/>
+            <a:off x="2110146" y="1438668"/>
             <a:ext cx="280767" cy="281288"/>
           </a:xfrm>
           <a:prstGeom prst="rect">
@@ -6169,7 +6169,7 @@
         </p:blipFill>
         <p:spPr bwMode="auto">
           <a:xfrm>
-            <a:off x="3102642" y="1445836"/>
+            <a:off x="2958625" y="1445836"/>
             <a:ext cx="280767" cy="280767"/>
           </a:xfrm>
           <a:prstGeom prst="rect">
@@ -6216,7 +6216,7 @@
         </p:blipFill>
         <p:spPr bwMode="auto">
           <a:xfrm>
-            <a:off x="3955914" y="1457199"/>
+            <a:off x="3811897" y="1457199"/>
             <a:ext cx="255846" cy="266051"/>
           </a:xfrm>
           <a:prstGeom prst="rect">
@@ -6248,7 +6248,7 @@
         </p:nvSpPr>
         <p:spPr>
           <a:xfrm>
-            <a:off x="1144814" y="2054278"/>
+            <a:off x="1000797" y="2054278"/>
             <a:ext cx="806272" cy="638769"/>
           </a:xfrm>
           <a:prstGeom prst="roundRect">
@@ -6306,7 +6306,7 @@
         </p:nvSpPr>
         <p:spPr>
           <a:xfrm>
-            <a:off x="1991410" y="2054277"/>
+            <a:off x="1847393" y="2054277"/>
             <a:ext cx="806272" cy="638769"/>
           </a:xfrm>
           <a:prstGeom prst="roundRect">
@@ -6364,7 +6364,7 @@
         </p:nvSpPr>
         <p:spPr>
           <a:xfrm>
-            <a:off x="1147061" y="1369148"/>
+            <a:off x="1003044" y="1369148"/>
             <a:ext cx="806272" cy="638769"/>
           </a:xfrm>
           <a:prstGeom prst="roundRect">
@@ -6422,8 +6422,8 @@
         </p:nvSpPr>
         <p:spPr>
           <a:xfrm>
-            <a:off x="4722095" y="339502"/>
-            <a:ext cx="3600495" cy="3168352"/>
+            <a:off x="4578078" y="339502"/>
+            <a:ext cx="4430066" cy="3168352"/>
           </a:xfrm>
           <a:prstGeom prst="roundRect">
             <a:avLst>
@@ -6508,7 +6508,7 @@
         </p:nvSpPr>
         <p:spPr>
           <a:xfrm>
-            <a:off x="2652902" y="3812653"/>
+            <a:off x="2508885" y="3812653"/>
             <a:ext cx="3564565" cy="1069378"/>
           </a:xfrm>
           <a:prstGeom prst="roundRect">
@@ -6597,7 +6597,7 @@
         </p:nvSpPr>
         <p:spPr>
           <a:xfrm>
-            <a:off x="3611182" y="4142625"/>
+            <a:off x="3467165" y="4142625"/>
             <a:ext cx="806272" cy="638769"/>
           </a:xfrm>
           <a:prstGeom prst="roundRect">
@@ -6670,7 +6670,7 @@
         </p:blipFill>
         <p:spPr bwMode="auto">
           <a:xfrm>
-            <a:off x="3873935" y="4198811"/>
+            <a:off x="3729918" y="4198811"/>
             <a:ext cx="280767" cy="273089"/>
           </a:xfrm>
           <a:prstGeom prst="rect">
@@ -6702,7 +6702,7 @@
         </p:nvSpPr>
         <p:spPr>
           <a:xfrm>
-            <a:off x="4459355" y="4142625"/>
+            <a:off x="4315338" y="4142625"/>
             <a:ext cx="806272" cy="638769"/>
           </a:xfrm>
           <a:prstGeom prst="roundRect">
@@ -6775,7 +6775,7 @@
         </p:blipFill>
         <p:spPr bwMode="auto">
           <a:xfrm>
-            <a:off x="4716006" y="4199769"/>
+            <a:off x="4571989" y="4199769"/>
             <a:ext cx="280767" cy="280767"/>
           </a:xfrm>
           <a:prstGeom prst="rect">
@@ -6807,7 +6807,7 @@
         </p:nvSpPr>
         <p:spPr>
           <a:xfrm>
-            <a:off x="5307824" y="4142625"/>
+            <a:off x="5163807" y="4142625"/>
             <a:ext cx="806272" cy="638769"/>
           </a:xfrm>
           <a:prstGeom prst="roundRect">
@@ -6873,7 +6873,7 @@
         </p:blipFill>
         <p:spPr bwMode="auto">
           <a:xfrm>
-            <a:off x="5567980" y="4207269"/>
+            <a:off x="5423963" y="4207269"/>
             <a:ext cx="280767" cy="273089"/>
           </a:xfrm>
           <a:prstGeom prst="rect">
@@ -6905,7 +6905,7 @@
         </p:nvSpPr>
         <p:spPr>
           <a:xfrm>
-            <a:off x="2762713" y="4142625"/>
+            <a:off x="2618696" y="4142625"/>
             <a:ext cx="806272" cy="638769"/>
           </a:xfrm>
           <a:prstGeom prst="roundRect">
@@ -6978,7 +6978,7 @@
         </p:blipFill>
         <p:spPr bwMode="auto">
           <a:xfrm>
-            <a:off x="3025466" y="4207269"/>
+            <a:off x="2881449" y="4207269"/>
             <a:ext cx="280767" cy="281288"/>
           </a:xfrm>
           <a:prstGeom prst="rect">
@@ -7025,7 +7025,7 @@
         </p:blipFill>
         <p:spPr bwMode="auto">
           <a:xfrm>
-            <a:off x="5937440" y="1420752"/>
+            <a:off x="5793423" y="1420752"/>
             <a:ext cx="286130" cy="286130"/>
           </a:xfrm>
           <a:prstGeom prst="rect">
@@ -7057,7 +7057,7 @@
         </p:nvSpPr>
         <p:spPr>
           <a:xfrm>
-            <a:off x="5681966" y="1369148"/>
+            <a:off x="5537949" y="1369148"/>
             <a:ext cx="806272" cy="638769"/>
           </a:xfrm>
           <a:prstGeom prst="roundRect">
@@ -7115,7 +7115,7 @@
         </p:nvSpPr>
         <p:spPr>
           <a:xfrm>
-            <a:off x="6530139" y="1375643"/>
+            <a:off x="6386122" y="1375643"/>
             <a:ext cx="806272" cy="638769"/>
           </a:xfrm>
           <a:prstGeom prst="roundRect">
@@ -7173,7 +7173,7 @@
         </p:nvSpPr>
         <p:spPr>
           <a:xfrm>
-            <a:off x="7378608" y="1375643"/>
+            <a:off x="7234591" y="1375643"/>
             <a:ext cx="806272" cy="638769"/>
           </a:xfrm>
           <a:prstGeom prst="roundRect">
@@ -7246,7 +7246,7 @@
         </p:blipFill>
         <p:spPr bwMode="auto">
           <a:xfrm>
-            <a:off x="6813444" y="1447050"/>
+            <a:off x="6669427" y="1447050"/>
             <a:ext cx="280767" cy="280767"/>
           </a:xfrm>
           <a:prstGeom prst="rect">
@@ -7293,7 +7293,7 @@
         </p:blipFill>
         <p:spPr bwMode="auto">
           <a:xfrm>
-            <a:off x="7638765" y="1447050"/>
+            <a:off x="7494748" y="1447050"/>
             <a:ext cx="280766" cy="280766"/>
           </a:xfrm>
           <a:prstGeom prst="rect">
@@ -7325,7 +7325,7 @@
         </p:nvSpPr>
         <p:spPr>
           <a:xfrm>
-            <a:off x="6530139" y="692363"/>
+            <a:off x="7232758" y="692363"/>
             <a:ext cx="806272" cy="638769"/>
           </a:xfrm>
           <a:prstGeom prst="roundRect">
@@ -7387,7 +7387,7 @@
         </p:nvCxnSpPr>
         <p:spPr>
           <a:xfrm rot="16200000" flipV="1">
-            <a:off x="3262467" y="2639934"/>
+            <a:off x="3118450" y="2639934"/>
             <a:ext cx="304799" cy="2040639"/>
           </a:xfrm>
           <a:prstGeom prst="bentConnector3">
@@ -7435,8 +7435,8 @@
         </p:nvCxnSpPr>
         <p:spPr>
           <a:xfrm rot="5400000" flipH="1" flipV="1">
-            <a:off x="5326365" y="2616675"/>
-            <a:ext cx="304799" cy="2087158"/>
+            <a:off x="5389740" y="2409283"/>
+            <a:ext cx="304799" cy="2501943"/>
           </a:xfrm>
           <a:prstGeom prst="bentConnector3">
             <a:avLst>
@@ -7494,7 +7494,7 @@
         </p:blipFill>
         <p:spPr bwMode="auto">
           <a:xfrm>
-            <a:off x="7445867" y="755690"/>
+            <a:off x="8148486" y="755690"/>
             <a:ext cx="696816" cy="268565"/>
           </a:xfrm>
           <a:prstGeom prst="rect">
@@ -7526,7 +7526,7 @@
         </p:nvSpPr>
         <p:spPr>
           <a:xfrm>
-            <a:off x="7384243" y="692363"/>
+            <a:off x="8086862" y="692363"/>
             <a:ext cx="806272" cy="638769"/>
           </a:xfrm>
           <a:prstGeom prst="roundRect">
@@ -7584,7 +7584,7 @@
         </p:nvSpPr>
         <p:spPr>
           <a:xfrm>
-            <a:off x="4829399" y="1375467"/>
+            <a:off x="4685382" y="1375467"/>
             <a:ext cx="806272" cy="638769"/>
           </a:xfrm>
           <a:prstGeom prst="roundRect">
@@ -7642,7 +7642,7 @@
         </p:nvSpPr>
         <p:spPr>
           <a:xfrm>
-            <a:off x="4829399" y="2050811"/>
+            <a:off x="4685382" y="2735420"/>
             <a:ext cx="806272" cy="638769"/>
           </a:xfrm>
           <a:prstGeom prst="roundRect">
@@ -7700,7 +7700,7 @@
         </p:nvSpPr>
         <p:spPr>
           <a:xfrm>
-            <a:off x="4829399" y="2737618"/>
+            <a:off x="6389975" y="2737618"/>
             <a:ext cx="806272" cy="638769"/>
           </a:xfrm>
           <a:prstGeom prst="roundRect">
@@ -7775,7 +7775,7 @@
         </p:blipFill>
         <p:spPr>
           <a:xfrm>
-            <a:off x="5144501" y="2069993"/>
+            <a:off x="5000484" y="2754602"/>
             <a:ext cx="163860" cy="331076"/>
           </a:xfrm>
           <a:prstGeom prst="rect">
@@ -7812,7 +7812,7 @@
         </p:blipFill>
         <p:spPr bwMode="auto">
           <a:xfrm>
-            <a:off x="5091470" y="2804721"/>
+            <a:off x="6652046" y="2804721"/>
             <a:ext cx="278851" cy="287458"/>
           </a:xfrm>
           <a:prstGeom prst="rect">
@@ -7844,7 +7844,7 @@
         </p:nvSpPr>
         <p:spPr>
           <a:xfrm>
-            <a:off x="5681966" y="2737618"/>
+            <a:off x="7242542" y="2737618"/>
             <a:ext cx="806272" cy="638769"/>
           </a:xfrm>
           <a:prstGeom prst="roundRect">
@@ -7902,7 +7902,7 @@
         </p:nvSpPr>
         <p:spPr>
           <a:xfrm>
-            <a:off x="6541434" y="2735420"/>
+            <a:off x="8102010" y="2735420"/>
             <a:ext cx="806272" cy="638769"/>
           </a:xfrm>
           <a:prstGeom prst="roundRect">
@@ -7960,7 +7960,7 @@
         </p:nvSpPr>
         <p:spPr>
           <a:xfrm>
-            <a:off x="7396228" y="2735419"/>
+            <a:off x="8094354" y="2050810"/>
             <a:ext cx="806272" cy="638769"/>
           </a:xfrm>
           <a:prstGeom prst="roundRect">
@@ -8018,7 +8018,7 @@
         </p:nvSpPr>
         <p:spPr>
           <a:xfrm>
-            <a:off x="5681966" y="2050810"/>
+            <a:off x="6389975" y="2050810"/>
             <a:ext cx="806272" cy="638769"/>
           </a:xfrm>
           <a:prstGeom prst="roundRect">
@@ -8091,7 +8091,7 @@
         </p:blipFill>
         <p:spPr bwMode="auto">
           <a:xfrm>
-            <a:off x="5093363" y="1425655"/>
+            <a:off x="4949346" y="1425655"/>
             <a:ext cx="286130" cy="286130"/>
           </a:xfrm>
           <a:prstGeom prst="rect">
@@ -8137,7 +8137,7 @@
         </p:blipFill>
         <p:spPr>
           <a:xfrm>
-            <a:off x="536728" y="1420194"/>
+            <a:off x="392711" y="1420194"/>
             <a:ext cx="303012" cy="303012"/>
           </a:xfrm>
           <a:prstGeom prst="rect">
@@ -8174,7 +8174,7 @@
         </p:blipFill>
         <p:spPr bwMode="auto">
           <a:xfrm>
-            <a:off x="2256001" y="2107305"/>
+            <a:off x="2111984" y="2107305"/>
             <a:ext cx="278929" cy="278929"/>
           </a:xfrm>
           <a:prstGeom prst="rect">
@@ -8221,7 +8221,7 @@
         </p:blipFill>
         <p:spPr bwMode="auto">
           <a:xfrm>
-            <a:off x="1400935" y="2093499"/>
+            <a:off x="1256918" y="2093499"/>
             <a:ext cx="285636" cy="278250"/>
           </a:xfrm>
           <a:prstGeom prst="rect">
@@ -8268,7 +8268,7 @@
         </p:blipFill>
         <p:spPr bwMode="auto">
           <a:xfrm>
-            <a:off x="3945955" y="2093499"/>
+            <a:off x="3801938" y="2093499"/>
             <a:ext cx="285636" cy="278250"/>
           </a:xfrm>
           <a:prstGeom prst="rect">
@@ -8315,7 +8315,7 @@
         </p:blipFill>
         <p:spPr bwMode="auto">
           <a:xfrm>
-            <a:off x="5932132" y="2797373"/>
+            <a:off x="7492708" y="2797373"/>
             <a:ext cx="294806" cy="294806"/>
           </a:xfrm>
           <a:prstGeom prst="rect">
@@ -8362,7 +8362,7 @@
         </p:blipFill>
         <p:spPr bwMode="auto">
           <a:xfrm>
-            <a:off x="6865343" y="2797373"/>
+            <a:off x="8425919" y="2797373"/>
             <a:ext cx="176967" cy="285118"/>
           </a:xfrm>
           <a:prstGeom prst="rect">
@@ -8409,7 +8409,7 @@
         </p:blipFill>
         <p:spPr bwMode="auto">
           <a:xfrm>
-            <a:off x="7656875" y="2807376"/>
+            <a:off x="8355001" y="2122767"/>
             <a:ext cx="274800" cy="274800"/>
           </a:xfrm>
           <a:prstGeom prst="rect">
@@ -8456,7 +8456,7 @@
         </p:blipFill>
         <p:spPr bwMode="auto">
           <a:xfrm>
-            <a:off x="5946443" y="2107305"/>
+            <a:off x="6654452" y="2107305"/>
             <a:ext cx="278851" cy="278851"/>
           </a:xfrm>
           <a:prstGeom prst="rect">
@@ -8503,7 +8503,7 @@
         </p:blipFill>
         <p:spPr bwMode="auto">
           <a:xfrm>
-            <a:off x="6792210" y="765685"/>
+            <a:off x="7494829" y="765685"/>
             <a:ext cx="278851" cy="278851"/>
           </a:xfrm>
           <a:prstGeom prst="rect">
@@ -8535,7 +8535,7 @@
         </p:nvSpPr>
         <p:spPr>
           <a:xfrm>
-            <a:off x="6530139" y="2052569"/>
+            <a:off x="7238148" y="2052569"/>
             <a:ext cx="806272" cy="638769"/>
           </a:xfrm>
           <a:prstGeom prst="roundRect">
@@ -8608,7 +8608,7 @@
         </p:blipFill>
         <p:spPr bwMode="auto">
           <a:xfrm>
-            <a:off x="6814578" y="2114168"/>
+            <a:off x="7522587" y="2114168"/>
             <a:ext cx="279633" cy="279633"/>
           </a:xfrm>
           <a:prstGeom prst="rect">
@@ -8654,7 +8654,7 @@
         </p:blipFill>
         <p:spPr>
           <a:xfrm>
-            <a:off x="5951400" y="752767"/>
+            <a:off x="5807383" y="752767"/>
             <a:ext cx="272896" cy="283155"/>
           </a:xfrm>
           <a:prstGeom prst="rect">
@@ -8676,7 +8676,7 @@
         </p:nvSpPr>
         <p:spPr>
           <a:xfrm>
-            <a:off x="5681966" y="689440"/>
+            <a:off x="5537949" y="689440"/>
             <a:ext cx="806272" cy="638769"/>
           </a:xfrm>
           <a:prstGeom prst="roundRect">
@@ -8749,7 +8749,7 @@
         </p:blipFill>
         <p:spPr bwMode="auto">
           <a:xfrm>
-            <a:off x="5061622" y="748551"/>
+            <a:off x="4917605" y="748551"/>
             <a:ext cx="328600" cy="295986"/>
           </a:xfrm>
           <a:prstGeom prst="rect">
@@ -8781,7 +8781,7 @@
         </p:nvSpPr>
         <p:spPr>
           <a:xfrm>
-            <a:off x="4829399" y="688758"/>
+            <a:off x="4685382" y="688758"/>
             <a:ext cx="806272" cy="638769"/>
           </a:xfrm>
           <a:prstGeom prst="roundRect">
@@ -8825,6 +8825,111 @@
           </a:p>
         </p:txBody>
       </p:sp>
+      <p:sp>
+        <p:nvSpPr>
+          <p:cNvPr id="82" name="모서리가 둥근 직사각형 18">
+            <a:extLst>
+              <a:ext uri="{FF2B5EF4-FFF2-40B4-BE49-F238E27FC236}">
+                <a16:creationId xmlns:a16="http://schemas.microsoft.com/office/drawing/2014/main" id="{23A3239E-63BF-6F46-B6DB-ECE144BBA61A}"/>
+              </a:ext>
+            </a:extLst>
+          </p:cNvPr>
+          <p:cNvSpPr/>
+          <p:nvPr/>
+        </p:nvSpPr>
+        <p:spPr>
+          <a:xfrm>
+            <a:off x="6381140" y="689945"/>
+            <a:ext cx="806272" cy="638769"/>
+          </a:xfrm>
+          <a:prstGeom prst="roundRect">
+            <a:avLst>
+              <a:gd name="adj" fmla="val 11578"/>
+            </a:avLst>
+          </a:prstGeom>
+          <a:noFill/>
+          <a:ln w="12700"/>
+        </p:spPr>
+        <p:style>
+          <a:lnRef idx="2">
+            <a:schemeClr val="dk1"/>
+          </a:lnRef>
+          <a:fillRef idx="1">
+            <a:schemeClr val="lt1"/>
+          </a:fillRef>
+          <a:effectRef idx="0">
+            <a:schemeClr val="dk1"/>
+          </a:effectRef>
+          <a:fontRef idx="minor">
+            <a:schemeClr val="dk1"/>
+          </a:fontRef>
+        </p:style>
+        <p:txBody>
+          <a:bodyPr rtlCol="0" anchor="b"/>
+          <a:lstStyle/>
+          <a:p>
+            <a:pPr algn="ctr"/>
+            <a:r>
+              <a:rPr lang="en-US" altLang="ko-KR" sz="600"/>
+              <a:t>Airflow DAG</a:t>
+            </a:r>
+          </a:p>
+          <a:p>
+            <a:pPr algn="ctr"/>
+            <a:r>
+              <a:rPr lang="en-US" altLang="ko-KR" sz="600"/>
+              <a:t>(Operator)</a:t>
+            </a:r>
+          </a:p>
+        </p:txBody>
+      </p:sp>
+      <p:pic>
+        <p:nvPicPr>
+          <p:cNvPr id="87" name="Picture 42" descr="Airflow] Connection 연결시 [Test] 버튼 비활성화된 경우 해결하는 방법">
+            <a:extLst>
+              <a:ext uri="{FF2B5EF4-FFF2-40B4-BE49-F238E27FC236}">
+                <a16:creationId xmlns:a16="http://schemas.microsoft.com/office/drawing/2014/main" id="{9E6DDFD7-891D-8547-BEE6-51D17A7485E9}"/>
+              </a:ext>
+            </a:extLst>
+          </p:cNvPr>
+          <p:cNvPicPr>
+            <a:picLocks noChangeAspect="1" noChangeArrowheads="1"/>
+          </p:cNvPicPr>
+          <p:nvPr/>
+        </p:nvPicPr>
+        <p:blipFill>
+          <a:blip r:embed="rId34">
+            <a:extLst>
+              <a:ext uri="{28A0092B-C50C-407E-A947-70E740481C1C}">
+                <a14:useLocalDpi xmlns:a14="http://schemas.microsoft.com/office/drawing/2010/main" val="0"/>
+              </a:ext>
+            </a:extLst>
+          </a:blip>
+          <a:srcRect/>
+          <a:stretch>
+            <a:fillRect/>
+          </a:stretch>
+        </p:blipFill>
+        <p:spPr bwMode="auto">
+          <a:xfrm>
+            <a:off x="6633425" y="741549"/>
+            <a:ext cx="288731" cy="288731"/>
+          </a:xfrm>
+          <a:prstGeom prst="rect">
+            <a:avLst/>
+          </a:prstGeom>
+          <a:noFill/>
+          <a:extLst>
+            <a:ext uri="{909E8E84-426E-40DD-AFC4-6F175D3DCCD1}">
+              <a14:hiddenFill xmlns:a14="http://schemas.microsoft.com/office/drawing/2010/main">
+                <a:solidFill>
+                  <a:srgbClr val="FFFFFF"/>
+                </a:solidFill>
+              </a14:hiddenFill>
+            </a:ext>
+          </a:extLst>
+        </p:spPr>
+      </p:pic>
     </p:spTree>
     <p:extLst>
       <p:ext uri="{BB962C8B-B14F-4D97-AF65-F5344CB8AC3E}">
